--- a/Javascript.pptx
+++ b/Javascript.pptx
@@ -465,6 +465,217 @@
     </a:lvl9pPr>
   </p:notesStyle>
 </p:notesMaster>
+</file>
+
+<file path=ppt/notesSlides/notesSlide1.xml><?xml version="1.0" encoding="utf-8"?>
+<p:notes xmlns:a="http://schemas.openxmlformats.org/drawingml/2006/main" xmlns:r="http://schemas.openxmlformats.org/officeDocument/2006/relationships" xmlns:p="http://schemas.openxmlformats.org/presentationml/2006/main">
+  <p:cSld>
+    <p:spTree>
+      <p:nvGrpSpPr>
+        <p:cNvPr id="1" name=""/>
+        <p:cNvGrpSpPr/>
+        <p:nvPr/>
+      </p:nvGrpSpPr>
+      <p:grpSpPr>
+        <a:xfrm>
+          <a:off x="0" y="0"/>
+          <a:ext cx="0" cy="0"/>
+          <a:chOff x="0" y="0"/>
+          <a:chExt cx="0" cy="0"/>
+        </a:xfrm>
+      </p:grpSpPr>
+      <p:sp>
+        <p:nvSpPr>
+          <p:cNvPr id="2" name="Slide Image Placeholder 1"/>
+          <p:cNvSpPr>
+            <a:spLocks noGrp="1" noRot="1" noChangeAspect="1"/>
+          </p:cNvSpPr>
+          <p:nvPr>
+            <p:ph type="sldImg"/>
+          </p:nvPr>
+        </p:nvSpPr>
+        <p:spPr/>
+      </p:sp>
+      <p:sp>
+        <p:nvSpPr>
+          <p:cNvPr id="3" name="Notes Placeholder 2"/>
+          <p:cNvSpPr>
+            <a:spLocks noGrp="1"/>
+          </p:cNvSpPr>
+          <p:nvPr>
+            <p:ph type="body" idx="1"/>
+          </p:nvPr>
+        </p:nvSpPr>
+        <p:spPr/>
+        <p:txBody>
+          <a:bodyPr/>
+          <a:lstStyle/>
+          <a:p>
+            <a:r>
+              <a:rPr lang="zh-CN" altLang="en-US" b="1" dirty="0" smtClean="0"/>
+              <a:t>单页</a:t>
+            </a:r>
+            <a:r>
+              <a:rPr lang="en-US" altLang="zh-CN" b="1" dirty="0" smtClean="0"/>
+              <a:t>Web</a:t>
+            </a:r>
+            <a:r>
+              <a:rPr lang="zh-CN" altLang="en-US" b="1" dirty="0" smtClean="0"/>
+              <a:t>应用程序的优点：</a:t>
+            </a:r>
+            <a:endParaRPr lang="zh-CN" altLang="en-US" dirty="0" smtClean="0"/>
+          </a:p>
+          <a:p>
+            <a:r>
+              <a:rPr lang="zh-CN" altLang="en-US" dirty="0" smtClean="0"/>
+              <a:t>首先，最大的好处是用户体验，对于内容的改动不需要加载整个页面。这样做好处颇多，因为数据层和</a:t>
+            </a:r>
+            <a:r>
+              <a:rPr lang="en-US" altLang="zh-CN" dirty="0" smtClean="0"/>
+              <a:t>UI</a:t>
+            </a:r>
+            <a:r>
+              <a:rPr lang="zh-CN" altLang="en-US" dirty="0" smtClean="0"/>
+              <a:t>的分离，可以重新编写一个原生的移动设备应用程序而不用（对原有数据服务部分）大动干戈。</a:t>
+            </a:r>
+          </a:p>
+          <a:p>
+            <a:r>
+              <a:rPr lang="zh-CN" altLang="en-US" dirty="0" smtClean="0"/>
+              <a:t>单页面</a:t>
+            </a:r>
+            <a:r>
+              <a:rPr lang="en-US" altLang="zh-CN" dirty="0" smtClean="0"/>
+              <a:t>Web</a:t>
+            </a:r>
+            <a:r>
+              <a:rPr lang="zh-CN" altLang="en-US" dirty="0" smtClean="0"/>
+              <a:t>应用层程序最根本的优点是高效。它对服务器压力很小，消耗更少的带宽，能够与面向服务的架构更好地结合。</a:t>
+            </a:r>
+          </a:p>
+          <a:p>
+            <a:endParaRPr lang="zh-CN" altLang="en-US" dirty="0"/>
+          </a:p>
+        </p:txBody>
+      </p:sp>
+      <p:sp>
+        <p:nvSpPr>
+          <p:cNvPr id="4" name="Slide Number Placeholder 3"/>
+          <p:cNvSpPr>
+            <a:spLocks noGrp="1"/>
+          </p:cNvSpPr>
+          <p:nvPr>
+            <p:ph type="sldNum" sz="quarter" idx="10"/>
+          </p:nvPr>
+        </p:nvSpPr>
+        <p:spPr/>
+        <p:txBody>
+          <a:bodyPr/>
+          <a:lstStyle/>
+          <a:p>
+            <a:fld id="{46156333-1BDB-4D7F-BC13-65C213C8FE89}" type="slidenum">
+              <a:rPr lang="zh-CN" altLang="en-US" smtClean="0"/>
+              <a:t>5</a:t>
+            </a:fld>
+            <a:endParaRPr lang="zh-CN" altLang="en-US"/>
+          </a:p>
+        </p:txBody>
+      </p:sp>
+    </p:spTree>
+    <p:extLst>
+      <p:ext uri="{BB962C8B-B14F-4D97-AF65-F5344CB8AC3E}">
+        <p14:creationId xmlns:p14="http://schemas.microsoft.com/office/powerpoint/2010/main" val="3259757952"/>
+      </p:ext>
+    </p:extLst>
+  </p:cSld>
+  <p:clrMapOvr>
+    <a:masterClrMapping/>
+  </p:clrMapOvr>
+</p:notes>
+</file>
+
+<file path=ppt/notesSlides/notesSlide2.xml><?xml version="1.0" encoding="utf-8"?>
+<p:notes xmlns:a="http://schemas.openxmlformats.org/drawingml/2006/main" xmlns:r="http://schemas.openxmlformats.org/officeDocument/2006/relationships" xmlns:p="http://schemas.openxmlformats.org/presentationml/2006/main">
+  <p:cSld>
+    <p:spTree>
+      <p:nvGrpSpPr>
+        <p:cNvPr id="1" name=""/>
+        <p:cNvGrpSpPr/>
+        <p:nvPr/>
+      </p:nvGrpSpPr>
+      <p:grpSpPr>
+        <a:xfrm>
+          <a:off x="0" y="0"/>
+          <a:ext cx="0" cy="0"/>
+          <a:chOff x="0" y="0"/>
+          <a:chExt cx="0" cy="0"/>
+        </a:xfrm>
+      </p:grpSpPr>
+      <p:sp>
+        <p:nvSpPr>
+          <p:cNvPr id="2" name="Slide Image Placeholder 1"/>
+          <p:cNvSpPr>
+            <a:spLocks noGrp="1" noRot="1" noChangeAspect="1"/>
+          </p:cNvSpPr>
+          <p:nvPr>
+            <p:ph type="sldImg"/>
+          </p:nvPr>
+        </p:nvSpPr>
+        <p:spPr/>
+      </p:sp>
+      <p:sp>
+        <p:nvSpPr>
+          <p:cNvPr id="3" name="Notes Placeholder 2"/>
+          <p:cNvSpPr>
+            <a:spLocks noGrp="1"/>
+          </p:cNvSpPr>
+          <p:nvPr>
+            <p:ph type="body" idx="1"/>
+          </p:nvPr>
+        </p:nvSpPr>
+        <p:spPr/>
+        <p:txBody>
+          <a:bodyPr/>
+          <a:lstStyle/>
+          <a:p>
+            <a:endParaRPr lang="zh-CN" altLang="en-US" dirty="0"/>
+          </a:p>
+        </p:txBody>
+      </p:sp>
+      <p:sp>
+        <p:nvSpPr>
+          <p:cNvPr id="4" name="Slide Number Placeholder 3"/>
+          <p:cNvSpPr>
+            <a:spLocks noGrp="1"/>
+          </p:cNvSpPr>
+          <p:nvPr>
+            <p:ph type="sldNum" sz="quarter" idx="10"/>
+          </p:nvPr>
+        </p:nvSpPr>
+        <p:spPr/>
+        <p:txBody>
+          <a:bodyPr/>
+          <a:lstStyle/>
+          <a:p>
+            <a:fld id="{46156333-1BDB-4D7F-BC13-65C213C8FE89}" type="slidenum">
+              <a:rPr lang="zh-CN" altLang="en-US" smtClean="0"/>
+              <a:t>8</a:t>
+            </a:fld>
+            <a:endParaRPr lang="zh-CN" altLang="en-US"/>
+          </a:p>
+        </p:txBody>
+      </p:sp>
+    </p:spTree>
+    <p:extLst>
+      <p:ext uri="{BB962C8B-B14F-4D97-AF65-F5344CB8AC3E}">
+        <p14:creationId xmlns:p14="http://schemas.microsoft.com/office/powerpoint/2010/main" val="2635819891"/>
+      </p:ext>
+    </p:extLst>
+  </p:cSld>
+  <p:clrMapOvr>
+    <a:masterClrMapping/>
+  </p:clrMapOvr>
+</p:notes>
 </file>
 
 <file path=ppt/slideLayouts/slideLayout1.xml><?xml version="1.0" encoding="utf-8"?>
@@ -3863,41 +4074,6 @@
       </p:grpSpPr>
       <p:sp>
         <p:nvSpPr>
-          <p:cNvPr id="3" name="Subtitle 2"/>
-          <p:cNvSpPr>
-            <a:spLocks noGrp="1"/>
-          </p:cNvSpPr>
-          <p:nvPr>
-            <p:ph type="subTitle" idx="1"/>
-          </p:nvPr>
-        </p:nvSpPr>
-        <p:spPr/>
-        <p:txBody>
-          <a:bodyPr/>
-          <a:lstStyle/>
-          <a:p>
-            <a:r>
-              <a:rPr lang="en-US" altLang="zh-CN" dirty="0" smtClean="0"/>
-              <a:t>MV</a:t>
-            </a:r>
-            <a:r>
-              <a:rPr lang="zh-CN" altLang="en-US" dirty="0" smtClean="0"/>
-              <a:t>*模式在</a:t>
-            </a:r>
-            <a:r>
-              <a:rPr lang="en-US" altLang="zh-CN" dirty="0" smtClean="0"/>
-              <a:t>web</a:t>
-            </a:r>
-            <a:r>
-              <a:rPr lang="zh-CN" altLang="en-US" dirty="0" smtClean="0"/>
-              <a:t>前端中的应用</a:t>
-            </a:r>
-            <a:endParaRPr lang="en-US" altLang="zh-CN" dirty="0" smtClean="0"/>
-          </a:p>
-        </p:txBody>
-      </p:sp>
-      <p:sp>
-        <p:nvSpPr>
           <p:cNvPr id="2" name="Title 1"/>
           <p:cNvSpPr>
             <a:spLocks noGrp="1"/>
@@ -3944,6 +4120,25 @@
               <a:rPr lang="en-US" altLang="zh-CN" dirty="0"/>
             </a:br>
             <a:endParaRPr lang="zh-CN" altLang="en-US" dirty="0"/>
+          </a:p>
+        </p:txBody>
+      </p:sp>
+      <p:sp>
+        <p:nvSpPr>
+          <p:cNvPr id="4" name="Subtitle 3"/>
+          <p:cNvSpPr>
+            <a:spLocks noGrp="1"/>
+          </p:cNvSpPr>
+          <p:nvPr>
+            <p:ph type="subTitle" idx="1"/>
+          </p:nvPr>
+        </p:nvSpPr>
+        <p:spPr/>
+        <p:txBody>
+          <a:bodyPr/>
+          <a:lstStyle/>
+          <a:p>
+            <a:endParaRPr lang="zh-CN" altLang="en-US"/>
           </a:p>
         </p:txBody>
       </p:sp>
@@ -4528,7 +4723,7 @@
           <p:nvPr/>
         </p:nvPicPr>
         <p:blipFill>
-          <a:blip r:embed="rId2">
+          <a:blip r:embed="rId3">
             <a:extLst>
               <a:ext uri="{28A0092B-C50C-407E-A947-70E740481C1C}">
                 <a14:useLocalDpi xmlns:a14="http://schemas.microsoft.com/office/drawing/2010/main" val="0"/>
@@ -4706,49 +4901,6 @@
         <p:txBody>
           <a:bodyPr/>
           <a:lstStyle/>
-          <a:p>
-            <a:r>
-              <a:rPr lang="zh-CN" altLang="en-US" b="1" dirty="0"/>
-              <a:t>单页</a:t>
-            </a:r>
-            <a:r>
-              <a:rPr lang="en-US" altLang="zh-CN" b="1" dirty="0"/>
-              <a:t>Web</a:t>
-            </a:r>
-            <a:r>
-              <a:rPr lang="zh-CN" altLang="en-US" b="1" dirty="0"/>
-              <a:t>应用程序的优点：</a:t>
-            </a:r>
-            <a:endParaRPr lang="zh-CN" altLang="en-US" dirty="0"/>
-          </a:p>
-          <a:p>
-            <a:r>
-              <a:rPr lang="zh-CN" altLang="en-US" dirty="0"/>
-              <a:t>首先，最大的好处是用户体验，对于内容的改动不需要加载整个页面。这样做好处颇多，因为数据层和</a:t>
-            </a:r>
-            <a:r>
-              <a:rPr lang="en-US" altLang="zh-CN" dirty="0"/>
-              <a:t>UI</a:t>
-            </a:r>
-            <a:r>
-              <a:rPr lang="zh-CN" altLang="en-US" dirty="0"/>
-              <a:t>的分离，可以重新编写一个原生的移动设备应用程序而不用（对原有数据服务部分）大动干戈。</a:t>
-            </a:r>
-          </a:p>
-          <a:p>
-            <a:r>
-              <a:rPr lang="zh-CN" altLang="en-US" dirty="0"/>
-              <a:t>单页面</a:t>
-            </a:r>
-            <a:r>
-              <a:rPr lang="en-US" altLang="zh-CN" dirty="0"/>
-              <a:t>Web</a:t>
-            </a:r>
-            <a:r>
-              <a:rPr lang="zh-CN" altLang="en-US" dirty="0"/>
-              <a:t>应用层程序最根本的优点是高效。它对服务器压力很小，消耗更少的带宽，能够与面向服务的架构更好地结合。</a:t>
-            </a:r>
-          </a:p>
           <a:p>
             <a:r>
               <a:rPr lang="zh-CN" altLang="en-US" dirty="0"/>
